--- a/Exercise 5/E5.pptx
+++ b/Exercise 5/E5.pptx
@@ -105,6 +105,11 @@
       </a:defRPr>
     </a:lvl9pPr>
   </p:defaultTextStyle>
+  <p:extLst>
+    <p:ext uri="{EFAFB233-063F-42B5-8137-9DF3F51BA10A}">
+      <p15:sldGuideLst xmlns:p15="http://schemas.microsoft.com/office/powerpoint/2012/main"/>
+    </p:ext>
+  </p:extLst>
 </p:presentation>
 </file>
 
@@ -255,7 +260,7 @@
           <a:p>
             <a:fld id="{50CB7493-E873-4ECD-BE02-F1B4AAEFB17A}" type="datetimeFigureOut">
               <a:rPr lang="en-GB" smtClean="0"/>
-              <a:t>31/12/2023</a:t>
+              <a:t>01/01/2024</a:t>
             </a:fld>
             <a:endParaRPr lang="en-GB"/>
           </a:p>
@@ -453,7 +458,7 @@
           <a:p>
             <a:fld id="{50CB7493-E873-4ECD-BE02-F1B4AAEFB17A}" type="datetimeFigureOut">
               <a:rPr lang="en-GB" smtClean="0"/>
-              <a:t>31/12/2023</a:t>
+              <a:t>01/01/2024</a:t>
             </a:fld>
             <a:endParaRPr lang="en-GB"/>
           </a:p>
@@ -661,7 +666,7 @@
           <a:p>
             <a:fld id="{50CB7493-E873-4ECD-BE02-F1B4AAEFB17A}" type="datetimeFigureOut">
               <a:rPr lang="en-GB" smtClean="0"/>
-              <a:t>31/12/2023</a:t>
+              <a:t>01/01/2024</a:t>
             </a:fld>
             <a:endParaRPr lang="en-GB"/>
           </a:p>
@@ -859,7 +864,7 @@
           <a:p>
             <a:fld id="{50CB7493-E873-4ECD-BE02-F1B4AAEFB17A}" type="datetimeFigureOut">
               <a:rPr lang="en-GB" smtClean="0"/>
-              <a:t>31/12/2023</a:t>
+              <a:t>01/01/2024</a:t>
             </a:fld>
             <a:endParaRPr lang="en-GB"/>
           </a:p>
@@ -1134,7 +1139,7 @@
           <a:p>
             <a:fld id="{50CB7493-E873-4ECD-BE02-F1B4AAEFB17A}" type="datetimeFigureOut">
               <a:rPr lang="en-GB" smtClean="0"/>
-              <a:t>31/12/2023</a:t>
+              <a:t>01/01/2024</a:t>
             </a:fld>
             <a:endParaRPr lang="en-GB"/>
           </a:p>
@@ -1399,7 +1404,7 @@
           <a:p>
             <a:fld id="{50CB7493-E873-4ECD-BE02-F1B4AAEFB17A}" type="datetimeFigureOut">
               <a:rPr lang="en-GB" smtClean="0"/>
-              <a:t>31/12/2023</a:t>
+              <a:t>01/01/2024</a:t>
             </a:fld>
             <a:endParaRPr lang="en-GB"/>
           </a:p>
@@ -1811,7 +1816,7 @@
           <a:p>
             <a:fld id="{50CB7493-E873-4ECD-BE02-F1B4AAEFB17A}" type="datetimeFigureOut">
               <a:rPr lang="en-GB" smtClean="0"/>
-              <a:t>31/12/2023</a:t>
+              <a:t>01/01/2024</a:t>
             </a:fld>
             <a:endParaRPr lang="en-GB"/>
           </a:p>
@@ -1952,7 +1957,7 @@
           <a:p>
             <a:fld id="{50CB7493-E873-4ECD-BE02-F1B4AAEFB17A}" type="datetimeFigureOut">
               <a:rPr lang="en-GB" smtClean="0"/>
-              <a:t>31/12/2023</a:t>
+              <a:t>01/01/2024</a:t>
             </a:fld>
             <a:endParaRPr lang="en-GB"/>
           </a:p>
@@ -2065,7 +2070,7 @@
           <a:p>
             <a:fld id="{50CB7493-E873-4ECD-BE02-F1B4AAEFB17A}" type="datetimeFigureOut">
               <a:rPr lang="en-GB" smtClean="0"/>
-              <a:t>31/12/2023</a:t>
+              <a:t>01/01/2024</a:t>
             </a:fld>
             <a:endParaRPr lang="en-GB"/>
           </a:p>
@@ -2376,7 +2381,7 @@
           <a:p>
             <a:fld id="{50CB7493-E873-4ECD-BE02-F1B4AAEFB17A}" type="datetimeFigureOut">
               <a:rPr lang="en-GB" smtClean="0"/>
-              <a:t>31/12/2023</a:t>
+              <a:t>01/01/2024</a:t>
             </a:fld>
             <a:endParaRPr lang="en-GB"/>
           </a:p>
@@ -2664,7 +2669,7 @@
           <a:p>
             <a:fld id="{50CB7493-E873-4ECD-BE02-F1B4AAEFB17A}" type="datetimeFigureOut">
               <a:rPr lang="en-GB" smtClean="0"/>
-              <a:t>31/12/2023</a:t>
+              <a:t>01/01/2024</a:t>
             </a:fld>
             <a:endParaRPr lang="en-GB"/>
           </a:p>
@@ -2741,9 +2746,12 @@
 <p:sldMaster xmlns:a="http://schemas.openxmlformats.org/drawingml/2006/main" xmlns:r="http://schemas.openxmlformats.org/officeDocument/2006/relationships" xmlns:p="http://schemas.openxmlformats.org/presentationml/2006/main">
   <p:cSld>
     <p:bg>
-      <p:bgRef idx="1001">
-        <a:schemeClr val="bg1"/>
-      </p:bgRef>
+      <p:bgPr>
+        <a:solidFill>
+          <a:schemeClr val="tx1"/>
+        </a:solidFill>
+        <a:effectLst/>
+      </p:bgPr>
     </p:bg>
     <p:spTree>
       <p:nvGrpSpPr>
@@ -2905,7 +2913,7 @@
           <a:p>
             <a:fld id="{50CB7493-E873-4ECD-BE02-F1B4AAEFB17A}" type="datetimeFigureOut">
               <a:rPr lang="en-GB" smtClean="0"/>
-              <a:t>31/12/2023</a:t>
+              <a:t>01/01/2024</a:t>
             </a:fld>
             <a:endParaRPr lang="en-GB"/>
           </a:p>
@@ -3344,7 +3352,11 @@
           <a:lstStyle/>
           <a:p>
             <a:r>
-              <a:rPr lang="en-GB" dirty="0"/>
+              <a:rPr lang="en-GB" dirty="0">
+                <a:solidFill>
+                  <a:schemeClr val="bg1"/>
+                </a:solidFill>
+              </a:rPr>
               <a:t>Exercise 5</a:t>
             </a:r>
           </a:p>
@@ -3437,7 +3449,11 @@
           <a:lstStyle/>
           <a:p>
             <a:r>
-              <a:rPr lang="en-GB" dirty="0"/>
+              <a:rPr lang="en-GB" dirty="0">
+                <a:solidFill>
+                  <a:schemeClr val="bg1"/>
+                </a:solidFill>
+              </a:rPr>
               <a:t>Exercise 5</a:t>
             </a:r>
           </a:p>
@@ -3467,41 +3483,77 @@
           <a:lstStyle/>
           <a:p>
             <a:r>
-              <a:rPr lang="en-GB" dirty="0"/>
+              <a:rPr lang="en-GB" dirty="0">
+                <a:solidFill>
+                  <a:schemeClr val="bg1"/>
+                </a:solidFill>
+              </a:rPr>
               <a:t>From the </a:t>
             </a:r>
             <a:r>
-              <a:rPr lang="en-GB" dirty="0" err="1"/>
+              <a:rPr lang="en-GB" dirty="0" err="1">
+                <a:solidFill>
+                  <a:schemeClr val="bg1"/>
+                </a:solidFill>
+              </a:rPr>
               <a:t>LTSpice</a:t>
             </a:r>
             <a:r>
-              <a:rPr lang="en-GB" dirty="0"/>
+              <a:rPr lang="en-GB" dirty="0">
+                <a:solidFill>
+                  <a:schemeClr val="bg1"/>
+                </a:solidFill>
+              </a:rPr>
               <a:t> graph, the breakdown voltage is approximately 2.264 V.</a:t>
             </a:r>
           </a:p>
           <a:p>
-            <a:endParaRPr lang="en-GB" dirty="0"/>
-          </a:p>
-          <a:p>
-            <a:r>
-              <a:rPr lang="en-GB" dirty="0"/>
+            <a:endParaRPr lang="en-GB" dirty="0">
+              <a:solidFill>
+                <a:schemeClr val="bg1"/>
+              </a:solidFill>
+            </a:endParaRPr>
+          </a:p>
+          <a:p>
+            <a:r>
+              <a:rPr lang="en-GB" dirty="0">
+                <a:solidFill>
+                  <a:schemeClr val="bg1"/>
+                </a:solidFill>
+              </a:rPr>
               <a:t>The current on the graph is negative, because (presumably) the positive direction for a diode is defined as anode – cathode in </a:t>
             </a:r>
             <a:r>
-              <a:rPr lang="en-GB" dirty="0" err="1"/>
+              <a:rPr lang="en-GB" dirty="0" err="1">
+                <a:solidFill>
+                  <a:schemeClr val="bg1"/>
+                </a:solidFill>
+              </a:rPr>
               <a:t>LTSpice</a:t>
             </a:r>
             <a:r>
-              <a:rPr lang="en-GB" dirty="0"/>
+              <a:rPr lang="en-GB" dirty="0">
+                <a:solidFill>
+                  <a:schemeClr val="bg1"/>
+                </a:solidFill>
+              </a:rPr>
               <a:t>.</a:t>
             </a:r>
           </a:p>
           <a:p>
-            <a:endParaRPr lang="en-GB" dirty="0"/>
-          </a:p>
-          <a:p>
-            <a:r>
-              <a:rPr lang="en-GB" dirty="0"/>
+            <a:endParaRPr lang="en-GB" dirty="0">
+              <a:solidFill>
+                <a:schemeClr val="bg1"/>
+              </a:solidFill>
+            </a:endParaRPr>
+          </a:p>
+          <a:p>
+            <a:r>
+              <a:rPr lang="en-GB" dirty="0">
+                <a:solidFill>
+                  <a:schemeClr val="bg1"/>
+                </a:solidFill>
+              </a:rPr>
               <a:t>Real life usages of the Zener diode should include ensuring the minimum voltage of a circuit. By connecting in series the Zener diode with the original circuit, the circuit will only be powered if the voltages are higher than a specific value.</a:t>
             </a:r>
           </a:p>
